--- a/ppt 모음/클린코드-파이썬 part2.pptx
+++ b/ppt 모음/클린코드-파이썬 part2.pptx
@@ -284,7 +284,7 @@
           <a:p>
             <a:fld id="{57764B8E-7EC0-4B59-8DA5-E04CAE3DB5F2}" type="datetimeFigureOut">
               <a:rPr lang="ko-KR" altLang="en-US" smtClean="0"/>
-              <a:t>2023-01-29</a:t>
+              <a:t>2023-01-30</a:t>
             </a:fld>
             <a:endParaRPr lang="ko-KR" altLang="en-US"/>
           </a:p>
@@ -5876,7 +5876,40 @@
             </a:br>
             <a:r>
               <a:rPr lang="ko-KR" altLang="en-US" dirty="0"/>
-              <a:t>작성하는 것에 초점을 맞춰서 공부해야 될 것 같다</a:t>
+              <a:t>작성하는 것에 초점을 맞춘다</a:t>
+            </a:r>
+            <a:r>
+              <a:rPr lang="en-US" altLang="ko-KR"/>
+              <a:t>.</a:t>
+            </a:r>
+            <a:endParaRPr lang="en-US" altLang="ko-KR" dirty="0"/>
+          </a:p>
+          <a:p>
+            <a:endParaRPr lang="en-US" altLang="ko-KR" dirty="0"/>
+          </a:p>
+          <a:p>
+            <a:r>
+              <a:rPr lang="en-US" altLang="ko-KR" dirty="0"/>
+              <a:t>PEP 8</a:t>
+            </a:r>
+            <a:r>
+              <a:rPr lang="ko-KR" altLang="en-US" dirty="0"/>
+              <a:t>은 필수는 아니며</a:t>
+            </a:r>
+            <a:r>
+              <a:rPr lang="en-US" altLang="ko-KR" dirty="0"/>
+              <a:t>, </a:t>
+            </a:r>
+            <a:r>
+              <a:rPr lang="ko-KR" altLang="en-US" dirty="0"/>
+              <a:t>스타일 가이드로써 </a:t>
+            </a:r>
+            <a:br>
+              <a:rPr lang="en-US" altLang="ko-KR" dirty="0"/>
+            </a:br>
+            <a:r>
+              <a:rPr lang="ko-KR" altLang="en-US" dirty="0"/>
+              <a:t>참고만 하도록 한다</a:t>
             </a:r>
             <a:r>
               <a:rPr lang="en-US" altLang="ko-KR" dirty="0"/>
